--- a/JavaScript/Week12/Week12.pptx
+++ b/JavaScript/Week12/Week12.pptx
@@ -3058,7 +3058,7 @@
         </p:nvSpPr>
         <p:spPr>
           <a:xfrm>
-            <a:off x="720000" y="728663"/>
+            <a:off x="2754074" y="748199"/>
             <a:ext cx="5015638" cy="2795738"/>
           </a:xfrm>
         </p:spPr>
@@ -3093,7 +3093,7 @@
         </p:nvSpPr>
         <p:spPr>
           <a:xfrm>
-            <a:off x="720000" y="3830398"/>
+            <a:off x="2754074" y="4147639"/>
             <a:ext cx="5015638" cy="2298939"/>
           </a:xfrm>
         </p:spPr>
@@ -3105,7 +3105,7 @@
           <a:p>
             <a:r>
               <a:rPr lang="en-CA" dirty="0"/>
-              <a:t>Jest &amp; RTL</a:t>
+              <a:t>Testing in React</a:t>
             </a:r>
           </a:p>
         </p:txBody>
@@ -3194,7 +3194,52 @@
             </a:pPr>
             <a:r>
               <a:rPr lang="en-US" dirty="0"/>
-              <a:t>Testing of individual building blocks of an application. Each unit is tested in Isolation, independent of other units. Run in a short amount of time and make it very easy to pinpoint failures. Relatively easier to write and maintain...</a:t>
+              <a:t>Testing of individual building blocks of an application. </a:t>
+            </a:r>
+          </a:p>
+          <a:p>
+            <a:pPr marL="0" indent="0">
+              <a:buNone/>
+            </a:pPr>
+            <a:endParaRPr lang="en-US" dirty="0"/>
+          </a:p>
+          <a:p>
+            <a:pPr marL="0" indent="0">
+              <a:buNone/>
+            </a:pPr>
+            <a:r>
+              <a:rPr lang="en-US" dirty="0"/>
+              <a:t>Each unit is tested in Isolation, independent of other units. </a:t>
+            </a:r>
+          </a:p>
+          <a:p>
+            <a:pPr marL="0" indent="0">
+              <a:buNone/>
+            </a:pPr>
+            <a:endParaRPr lang="en-US" dirty="0"/>
+          </a:p>
+          <a:p>
+            <a:pPr marL="0" indent="0">
+              <a:buNone/>
+            </a:pPr>
+            <a:r>
+              <a:rPr lang="en-US" dirty="0"/>
+              <a:t>Run in a short amount of time and make it very easy to pinpoint failures. </a:t>
+            </a:r>
+          </a:p>
+          <a:p>
+            <a:pPr marL="0" indent="0">
+              <a:buNone/>
+            </a:pPr>
+            <a:endParaRPr lang="en-US" dirty="0"/>
+          </a:p>
+          <a:p>
+            <a:pPr marL="0" indent="0">
+              <a:buNone/>
+            </a:pPr>
+            <a:r>
+              <a:rPr lang="en-US" dirty="0"/>
+              <a:t>Relatively easier to write and maintain...</a:t>
             </a:r>
           </a:p>
           <a:p>
@@ -3289,6 +3334,18 @@
               <a:t>Testing of a combination of units and ensuring they work together. </a:t>
             </a:r>
           </a:p>
+          <a:p>
+            <a:endParaRPr lang="en-US" dirty="0"/>
+          </a:p>
+          <a:p>
+            <a:endParaRPr lang="en-US" dirty="0"/>
+          </a:p>
+          <a:p>
+            <a:r>
+              <a:rPr lang="en-US" dirty="0"/>
+              <a:t>Takes longer than unit tests.</a:t>
+            </a:r>
+          </a:p>
         </p:txBody>
       </p:sp>
     </p:spTree>
@@ -3375,15 +3432,37 @@
             </a:pPr>
             <a:r>
               <a:rPr lang="en-US" dirty="0"/>
-              <a:t>Testing the ENTIRE application flow and ensuring it works as designed .. from start to finish. It involves a real UI, a real backend database, real services </a:t>
-            </a:r>
-            <a:r>
-              <a:rPr lang="en-US" dirty="0" err="1"/>
-              <a:t>etc..Takes</a:t>
-            </a:r>
+              <a:t>Testing the ENTIRE application flow and ensuring it works as designed .. from start to finish. </a:t>
+            </a:r>
+          </a:p>
+          <a:p>
+            <a:pPr marL="0" indent="0">
+              <a:buNone/>
+            </a:pPr>
+            <a:endParaRPr lang="en-US" dirty="0"/>
+          </a:p>
+          <a:p>
+            <a:pPr marL="0" indent="0">
+              <a:buNone/>
+            </a:pPr>
             <a:r>
               <a:rPr lang="en-US" dirty="0"/>
-              <a:t> the longest time, cost of implication is involved, because we might interact with real APIs (PAID) that charge based on the number of requests..</a:t>
+              <a:t>It involves a real UI, a real backend database, real services etc..</a:t>
+            </a:r>
+          </a:p>
+          <a:p>
+            <a:pPr marL="0" indent="0">
+              <a:buNone/>
+            </a:pPr>
+            <a:endParaRPr lang="en-US" dirty="0"/>
+          </a:p>
+          <a:p>
+            <a:pPr marL="0" indent="0">
+              <a:buNone/>
+            </a:pPr>
+            <a:r>
+              <a:rPr lang="en-US" dirty="0"/>
+              <a:t>Takes the longest time, cost of implication is involved, because we might interact with real APIs (PAID) that charge based on the number of requests..</a:t>
             </a:r>
           </a:p>
           <a:p>

--- a/JavaScript/Week12/Week12.pptx
+++ b/JavaScript/Week12/Week12.pptx
@@ -4198,7 +4198,7 @@
               <a:t> I –D @testing-library/jest-</a:t>
             </a:r>
             <a:r>
-              <a:rPr lang="en-US"/>
+              <a:rPr lang="en-US" dirty="0" err="1"/>
               <a:t>dom</a:t>
             </a:r>
             <a:endParaRPr lang="en-US" dirty="0"/>
@@ -5067,12 +5067,8 @@
           <a:lstStyle/>
           <a:p>
             <a:r>
-              <a:rPr lang="en-US"/>
-              <a:t>Implementation </a:t>
-            </a:r>
-            <a:r>
               <a:rPr lang="en-US" dirty="0"/>
-              <a:t>details</a:t>
+              <a:t>Implementation details</a:t>
             </a:r>
           </a:p>
           <a:p>
